--- a/Хакатон.pptx
+++ b/Хакатон.pptx
@@ -5,7 +5,7 @@
     <p:sldMasterId id="2147483648" r:id="rId1"/>
   </p:sldMasterIdLst>
   <p:notesMasterIdLst>
-    <p:notesMasterId r:id="rId13"/>
+    <p:notesMasterId r:id="rId14"/>
   </p:notesMasterIdLst>
   <p:sldIdLst>
     <p:sldId id="749" r:id="rId2"/>
@@ -17,13 +17,14 @@
     <p:sldId id="756" r:id="rId8"/>
     <p:sldId id="757" r:id="rId9"/>
     <p:sldId id="752" r:id="rId10"/>
-    <p:sldId id="760" r:id="rId11"/>
-    <p:sldId id="758" r:id="rId12"/>
+    <p:sldId id="761" r:id="rId11"/>
+    <p:sldId id="760" r:id="rId12"/>
+    <p:sldId id="758" r:id="rId13"/>
   </p:sldIdLst>
   <p:sldSz cx="12192000" cy="6858000"/>
   <p:notesSz cx="6858000" cy="9144000"/>
   <p:custDataLst>
-    <p:tags r:id="rId14"/>
+    <p:tags r:id="rId15"/>
   </p:custDataLst>
   <p:defaultTextStyle>
     <a:defPPr>
@@ -120,6 +121,11 @@
       </a:defRPr>
     </a:lvl9pPr>
   </p:defaultTextStyle>
+  <p:extLst>
+    <p:ext uri="{EFAFB233-063F-42B5-8137-9DF3F51BA10A}">
+      <p15:sldGuideLst xmlns:p15="http://schemas.microsoft.com/office/powerpoint/2012/main"/>
+    </p:ext>
+  </p:extLst>
 </p:presentation>
 </file>
 
@@ -205,7 +211,7 @@
           <a:p>
             <a:fld id="{CDAD46E1-B937-4F31-B0BB-8F7FCDED788B}" type="datetimeFigureOut">
               <a:rPr lang="ru-RU" smtClean="0"/>
-              <a:t>24.04.2024</a:t>
+              <a:t>25.04.2024</a:t>
             </a:fld>
             <a:endParaRPr lang="ru-RU"/>
           </a:p>
@@ -872,7 +878,7 @@
           <a:p>
             <a:fld id="{8F0FDB39-4AF0-4BFC-93F7-501D2D21D699}" type="datetime1">
               <a:rPr lang="ru-RU" smtClean="0"/>
-              <a:t>24.04.2024</a:t>
+              <a:t>25.04.2024</a:t>
             </a:fld>
             <a:endParaRPr lang="ru-RU"/>
           </a:p>
@@ -1072,7 +1078,7 @@
           <a:p>
             <a:fld id="{BD589936-5218-4A47-8B52-2153894F5965}" type="datetime1">
               <a:rPr lang="ru-RU" smtClean="0"/>
-              <a:t>24.04.2024</a:t>
+              <a:t>25.04.2024</a:t>
             </a:fld>
             <a:endParaRPr lang="ru-RU"/>
           </a:p>
@@ -1282,7 +1288,7 @@
           <a:p>
             <a:fld id="{7902568E-73EC-4BB6-B8C9-6CBDDC081C69}" type="datetime1">
               <a:rPr lang="ru-RU" smtClean="0"/>
-              <a:t>24.04.2024</a:t>
+              <a:t>25.04.2024</a:t>
             </a:fld>
             <a:endParaRPr lang="ru-RU"/>
           </a:p>
@@ -2792,7 +2798,7 @@
           <a:p>
             <a:fld id="{15C83717-B8B9-4543-83F4-9D1D27BD709B}" type="datetime1">
               <a:rPr lang="ru-RU" smtClean="0"/>
-              <a:t>24.04.2024</a:t>
+              <a:t>25.04.2024</a:t>
             </a:fld>
             <a:endParaRPr lang="ru-RU"/>
           </a:p>
@@ -3068,7 +3074,7 @@
           <a:p>
             <a:fld id="{D42D167F-FD52-4718-9EAB-BFB0B4451A2C}" type="datetime1">
               <a:rPr lang="ru-RU" smtClean="0"/>
-              <a:t>24.04.2024</a:t>
+              <a:t>25.04.2024</a:t>
             </a:fld>
             <a:endParaRPr lang="ru-RU"/>
           </a:p>
@@ -3336,7 +3342,7 @@
           <a:p>
             <a:fld id="{7023FD74-7DEB-4FEC-8968-501C67ACA1DD}" type="datetime1">
               <a:rPr lang="ru-RU" smtClean="0"/>
-              <a:t>24.04.2024</a:t>
+              <a:t>25.04.2024</a:t>
             </a:fld>
             <a:endParaRPr lang="ru-RU"/>
           </a:p>
@@ -3751,7 +3757,7 @@
           <a:p>
             <a:fld id="{0F7404EE-E65D-46D3-823F-AEFF8A48BD31}" type="datetime1">
               <a:rPr lang="ru-RU" smtClean="0"/>
-              <a:t>24.04.2024</a:t>
+              <a:t>25.04.2024</a:t>
             </a:fld>
             <a:endParaRPr lang="ru-RU"/>
           </a:p>
@@ -3893,7 +3899,7 @@
           <a:p>
             <a:fld id="{262FF1CC-C840-4A9B-87CD-19BE46136518}" type="datetime1">
               <a:rPr lang="ru-RU" smtClean="0"/>
-              <a:t>24.04.2024</a:t>
+              <a:t>25.04.2024</a:t>
             </a:fld>
             <a:endParaRPr lang="ru-RU"/>
           </a:p>
@@ -4006,7 +4012,7 @@
           <a:p>
             <a:fld id="{352353EC-5C6C-44E0-9ACB-B0269D56C1A3}" type="datetime1">
               <a:rPr lang="ru-RU" smtClean="0"/>
-              <a:t>24.04.2024</a:t>
+              <a:t>25.04.2024</a:t>
             </a:fld>
             <a:endParaRPr lang="ru-RU"/>
           </a:p>
@@ -4319,7 +4325,7 @@
           <a:p>
             <a:fld id="{1718EBEF-568D-4769-AC0A-1CE66C0914C4}" type="datetime1">
               <a:rPr lang="ru-RU" smtClean="0"/>
-              <a:t>24.04.2024</a:t>
+              <a:t>25.04.2024</a:t>
             </a:fld>
             <a:endParaRPr lang="ru-RU"/>
           </a:p>
@@ -4608,7 +4614,7 @@
           <a:p>
             <a:fld id="{84A61A7B-C3F4-4914-A82D-1AC8FC568836}" type="datetime1">
               <a:rPr lang="ru-RU" smtClean="0"/>
-              <a:t>24.04.2024</a:t>
+              <a:t>25.04.2024</a:t>
             </a:fld>
             <a:endParaRPr lang="ru-RU"/>
           </a:p>
@@ -4734,7 +4740,7 @@
           <a:graphicData uri="http://schemas.openxmlformats.org/presentationml/2006/ole">
             <mc:AlternateContent xmlns:mc="http://schemas.openxmlformats.org/markup-compatibility/2006">
               <mc:Choice xmlns:v="urn:schemas-microsoft-com:vml" Requires="v">
-                <p:oleObj spid="_x0000_s2053" name="think-cell Slide" r:id="rId16" imgW="592" imgH="591" progId="TCLayout.ActiveDocument.1">
+                <p:oleObj spid="_x0000_s2057" name="think-cell Slide" r:id="rId16" imgW="592" imgH="591" progId="TCLayout.ActiveDocument.1">
                   <p:embed/>
                 </p:oleObj>
               </mc:Choice>
@@ -4917,7 +4923,7 @@
           <a:p>
             <a:fld id="{FA54ED74-8BC5-4C6B-98AB-FC1CA885B0BF}" type="datetime1">
               <a:rPr lang="ru-RU" smtClean="0"/>
-              <a:t>24.04.2024</a:t>
+              <a:t>25.04.2024</a:t>
             </a:fld>
             <a:endParaRPr lang="ru-RU"/>
           </a:p>
@@ -5367,7 +5373,7 @@
           <a:graphicData uri="http://schemas.openxmlformats.org/presentationml/2006/ole">
             <mc:AlternateContent xmlns:mc="http://schemas.openxmlformats.org/markup-compatibility/2006">
               <mc:Choice xmlns:v="urn:schemas-microsoft-com:vml" Requires="v">
-                <p:oleObj spid="_x0000_s1030" name="think-cell Slide" r:id="rId5" imgW="592" imgH="591" progId="TCLayout.ActiveDocument.1">
+                <p:oleObj spid="_x0000_s1035" name="think-cell Slide" r:id="rId5" imgW="592" imgH="591" progId="TCLayout.ActiveDocument.1">
                   <p:embed/>
                 </p:oleObj>
               </mc:Choice>
@@ -5467,7 +5473,7 @@
         </p:nvSpPr>
         <p:spPr>
           <a:xfrm>
-            <a:off x="454490" y="4192253"/>
+            <a:off x="454490" y="3543427"/>
             <a:ext cx="6052196" cy="1162094"/>
           </a:xfrm>
           <a:prstGeom prst="rect">
@@ -6144,6 +6150,290 @@
           </a:prstGeom>
         </p:spPr>
       </p:pic>
+      <p:sp>
+        <p:nvSpPr>
+          <p:cNvPr id="11" name="Текст 2">
+            <a:extLst>
+              <a:ext uri="{FF2B5EF4-FFF2-40B4-BE49-F238E27FC236}">
+                <a16:creationId xmlns:a16="http://schemas.microsoft.com/office/drawing/2014/main" id="{FF8194BF-2AD9-400A-A557-085AAD6F0689}"/>
+              </a:ext>
+            </a:extLst>
+          </p:cNvPr>
+          <p:cNvSpPr txBox="1">
+            <a:spLocks/>
+          </p:cNvSpPr>
+          <p:nvPr/>
+        </p:nvSpPr>
+        <p:spPr>
+          <a:xfrm>
+            <a:off x="454490" y="5108858"/>
+            <a:ext cx="5230826" cy="414779"/>
+          </a:xfrm>
+          <a:prstGeom prst="rect">
+            <a:avLst/>
+          </a:prstGeom>
+        </p:spPr>
+        <p:txBody>
+          <a:bodyPr lIns="0" tIns="0" rIns="0" bIns="0" anchor="t" anchorCtr="0">
+            <a:noAutofit/>
+          </a:bodyPr>
+          <a:lstStyle>
+            <a:lvl1pPr marL="0" marR="0" indent="12715" algn="l" defTabSz="457200" rtl="0" latinLnBrk="0">
+              <a:lnSpc>
+                <a:spcPct val="100000"/>
+              </a:lnSpc>
+              <a:spcBef>
+                <a:spcPts val="100"/>
+              </a:spcBef>
+              <a:spcAft>
+                <a:spcPts val="0"/>
+              </a:spcAft>
+              <a:buClrTx/>
+              <a:buSzTx/>
+              <a:buFontTx/>
+              <a:buNone/>
+              <a:tabLst/>
+              <a:defRPr sz="3200" b="0" i="0" u="none" strike="noStrike" cap="none" spc="0" baseline="0">
+                <a:solidFill>
+                  <a:srgbClr val="282828"/>
+                </a:solidFill>
+                <a:uFillTx/>
+                <a:latin typeface="Tinkoff Sans"/>
+                <a:ea typeface="Tinkoff Sans"/>
+                <a:cs typeface="Tinkoff Sans"/>
+                <a:sym typeface="Tinkoff Sans"/>
+              </a:defRPr>
+            </a:lvl1pPr>
+            <a:lvl2pPr marL="1199924" marR="0" indent="-445133" algn="l" defTabSz="1509582" rtl="0" latinLnBrk="0">
+              <a:lnSpc>
+                <a:spcPct val="90000"/>
+              </a:lnSpc>
+              <a:spcBef>
+                <a:spcPts val="1600"/>
+              </a:spcBef>
+              <a:spcAft>
+                <a:spcPts val="0"/>
+              </a:spcAft>
+              <a:buClrTx/>
+              <a:buSzPct val="100000"/>
+              <a:buFont typeface="Wingdings" pitchFamily="2" charset="2"/>
+              <a:buChar char="§"/>
+              <a:tabLst/>
+              <a:defRPr sz="2400" b="0" i="0" u="none" strike="noStrike" cap="none" spc="0" baseline="0">
+                <a:solidFill>
+                  <a:srgbClr val="000000"/>
+                </a:solidFill>
+                <a:uFillTx/>
+                <a:latin typeface="Tinkoff Sans"/>
+                <a:ea typeface="Tinkoff Sans"/>
+                <a:cs typeface="Tinkoff Sans"/>
+                <a:sym typeface="Tinkoff Sans"/>
+              </a:defRPr>
+            </a:lvl2pPr>
+            <a:lvl3pPr marL="2035650" marR="0" indent="-526067" algn="l" defTabSz="1509582" rtl="0" latinLnBrk="0">
+              <a:lnSpc>
+                <a:spcPct val="90000"/>
+              </a:lnSpc>
+              <a:spcBef>
+                <a:spcPts val="1600"/>
+              </a:spcBef>
+              <a:spcAft>
+                <a:spcPts val="0"/>
+              </a:spcAft>
+              <a:buClrTx/>
+              <a:buSzPct val="100000"/>
+              <a:buFont typeface="Wingdings" pitchFamily="2" charset="2"/>
+              <a:buChar char="§"/>
+              <a:tabLst/>
+              <a:defRPr sz="2400" b="0" i="0" u="none" strike="noStrike" cap="none" spc="0" baseline="0">
+                <a:solidFill>
+                  <a:srgbClr val="000000"/>
+                </a:solidFill>
+                <a:uFillTx/>
+                <a:latin typeface="Tinkoff Sans"/>
+                <a:ea typeface="Tinkoff Sans"/>
+                <a:cs typeface="Tinkoff Sans"/>
+                <a:sym typeface="Tinkoff Sans"/>
+              </a:defRPr>
+            </a:lvl3pPr>
+            <a:lvl4pPr marL="2863001" marR="0" indent="-598627" algn="l" defTabSz="1509582" rtl="0" latinLnBrk="0">
+              <a:lnSpc>
+                <a:spcPct val="90000"/>
+              </a:lnSpc>
+              <a:spcBef>
+                <a:spcPts val="1600"/>
+              </a:spcBef>
+              <a:spcAft>
+                <a:spcPts val="0"/>
+              </a:spcAft>
+              <a:buClrTx/>
+              <a:buSzPct val="100000"/>
+              <a:buFont typeface="Wingdings" pitchFamily="2" charset="2"/>
+              <a:buChar char="§"/>
+              <a:tabLst/>
+              <a:defRPr sz="2400" b="0" i="0" u="none" strike="noStrike" cap="none" spc="0" baseline="0">
+                <a:solidFill>
+                  <a:srgbClr val="000000"/>
+                </a:solidFill>
+                <a:uFillTx/>
+                <a:latin typeface="Tinkoff Sans"/>
+                <a:ea typeface="Tinkoff Sans"/>
+                <a:cs typeface="Tinkoff Sans"/>
+                <a:sym typeface="Tinkoff Sans"/>
+              </a:defRPr>
+            </a:lvl4pPr>
+            <a:lvl5pPr marL="3617794" marR="0" indent="-598628" algn="l" defTabSz="1509582" rtl="0" latinLnBrk="0">
+              <a:lnSpc>
+                <a:spcPct val="90000"/>
+              </a:lnSpc>
+              <a:spcBef>
+                <a:spcPts val="1600"/>
+              </a:spcBef>
+              <a:spcAft>
+                <a:spcPts val="0"/>
+              </a:spcAft>
+              <a:buClrTx/>
+              <a:buSzPct val="100000"/>
+              <a:buFont typeface="Wingdings" pitchFamily="2" charset="2"/>
+              <a:buChar char="§"/>
+              <a:tabLst/>
+              <a:defRPr sz="2400" b="0" i="0" u="none" strike="noStrike" cap="none" spc="0" baseline="0">
+                <a:solidFill>
+                  <a:srgbClr val="000000"/>
+                </a:solidFill>
+                <a:uFillTx/>
+                <a:latin typeface="Tinkoff Sans"/>
+                <a:ea typeface="Tinkoff Sans"/>
+                <a:cs typeface="Tinkoff Sans"/>
+                <a:sym typeface="Tinkoff Sans"/>
+              </a:defRPr>
+            </a:lvl5pPr>
+            <a:lvl6pPr marL="4372585" marR="0" indent="-598628" algn="l" defTabSz="1509582" rtl="0" latinLnBrk="0">
+              <a:lnSpc>
+                <a:spcPct val="90000"/>
+              </a:lnSpc>
+              <a:spcBef>
+                <a:spcPts val="1600"/>
+              </a:spcBef>
+              <a:spcAft>
+                <a:spcPts val="0"/>
+              </a:spcAft>
+              <a:buClrTx/>
+              <a:buSzPct val="100000"/>
+              <a:buFont typeface="Arial"/>
+              <a:buChar char="•"/>
+              <a:tabLst/>
+              <a:defRPr sz="4600" b="0" i="0" u="none" strike="noStrike" cap="none" spc="0" baseline="0">
+                <a:solidFill>
+                  <a:srgbClr val="000000"/>
+                </a:solidFill>
+                <a:uFillTx/>
+                <a:latin typeface="Tinkoff Sans"/>
+                <a:ea typeface="Tinkoff Sans"/>
+                <a:cs typeface="Tinkoff Sans"/>
+                <a:sym typeface="Tinkoff Sans"/>
+              </a:defRPr>
+            </a:lvl6pPr>
+            <a:lvl7pPr marL="5127377" marR="0" indent="-598628" algn="l" defTabSz="1509582" rtl="0" latinLnBrk="0">
+              <a:lnSpc>
+                <a:spcPct val="90000"/>
+              </a:lnSpc>
+              <a:spcBef>
+                <a:spcPts val="1600"/>
+              </a:spcBef>
+              <a:spcAft>
+                <a:spcPts val="0"/>
+              </a:spcAft>
+              <a:buClrTx/>
+              <a:buSzPct val="100000"/>
+              <a:buFont typeface="Arial"/>
+              <a:buChar char="•"/>
+              <a:tabLst/>
+              <a:defRPr sz="4600" b="0" i="0" u="none" strike="noStrike" cap="none" spc="0" baseline="0">
+                <a:solidFill>
+                  <a:srgbClr val="000000"/>
+                </a:solidFill>
+                <a:uFillTx/>
+                <a:latin typeface="Tinkoff Sans"/>
+                <a:ea typeface="Tinkoff Sans"/>
+                <a:cs typeface="Tinkoff Sans"/>
+                <a:sym typeface="Tinkoff Sans"/>
+              </a:defRPr>
+            </a:lvl7pPr>
+            <a:lvl8pPr marL="5882168" marR="0" indent="-598628" algn="l" defTabSz="1509582" rtl="0" latinLnBrk="0">
+              <a:lnSpc>
+                <a:spcPct val="90000"/>
+              </a:lnSpc>
+              <a:spcBef>
+                <a:spcPts val="1600"/>
+              </a:spcBef>
+              <a:spcAft>
+                <a:spcPts val="0"/>
+              </a:spcAft>
+              <a:buClrTx/>
+              <a:buSzPct val="100000"/>
+              <a:buFont typeface="Arial"/>
+              <a:buChar char="•"/>
+              <a:tabLst/>
+              <a:defRPr sz="4600" b="0" i="0" u="none" strike="noStrike" cap="none" spc="0" baseline="0">
+                <a:solidFill>
+                  <a:srgbClr val="000000"/>
+                </a:solidFill>
+                <a:uFillTx/>
+                <a:latin typeface="Tinkoff Sans"/>
+                <a:ea typeface="Tinkoff Sans"/>
+                <a:cs typeface="Tinkoff Sans"/>
+                <a:sym typeface="Tinkoff Sans"/>
+              </a:defRPr>
+            </a:lvl8pPr>
+            <a:lvl9pPr marL="6636960" marR="0" indent="-598627" algn="l" defTabSz="1509582" rtl="0" latinLnBrk="0">
+              <a:lnSpc>
+                <a:spcPct val="90000"/>
+              </a:lnSpc>
+              <a:spcBef>
+                <a:spcPts val="1600"/>
+              </a:spcBef>
+              <a:spcAft>
+                <a:spcPts val="0"/>
+              </a:spcAft>
+              <a:buClrTx/>
+              <a:buSzPct val="100000"/>
+              <a:buFont typeface="Arial"/>
+              <a:buChar char="•"/>
+              <a:tabLst/>
+              <a:defRPr sz="4600" b="0" i="0" u="none" strike="noStrike" cap="none" spc="0" baseline="0">
+                <a:solidFill>
+                  <a:srgbClr val="000000"/>
+                </a:solidFill>
+                <a:uFillTx/>
+                <a:latin typeface="Tinkoff Sans"/>
+                <a:ea typeface="Tinkoff Sans"/>
+                <a:cs typeface="Tinkoff Sans"/>
+                <a:sym typeface="Tinkoff Sans"/>
+              </a:defRPr>
+            </a:lvl9pPr>
+          </a:lstStyle>
+          <a:p>
+            <a:pPr>
+              <a:lnSpc>
+                <a:spcPct val="110000"/>
+              </a:lnSpc>
+              <a:spcBef>
+                <a:spcPts val="0"/>
+              </a:spcBef>
+            </a:pPr>
+            <a:r>
+              <a:rPr lang="ru-RU" sz="2000" b="1" dirty="0"/>
+              <a:t>Кванты</a:t>
+            </a:r>
+            <a:r>
+              <a:rPr lang="en-US" sz="1721" dirty="0"/>
+              <a:t>:</a:t>
+            </a:r>
+            <a:endParaRPr lang="ru-RU" sz="1721" dirty="0"/>
+          </a:p>
+        </p:txBody>
+      </p:sp>
     </p:spTree>
     <p:extLst>
       <p:ext uri="{BB962C8B-B14F-4D97-AF65-F5344CB8AC3E}">
@@ -6177,6 +6467,900 @@
       </p:grpSpPr>
       <p:graphicFrame>
         <p:nvGraphicFramePr>
+          <p:cNvPr id="7" name="think-cell data - do not delete" hidden="1">
+            <a:extLst>
+              <a:ext uri="{FF2B5EF4-FFF2-40B4-BE49-F238E27FC236}">
+                <a16:creationId xmlns:a16="http://schemas.microsoft.com/office/drawing/2014/main" id="{C5073518-DBB5-4A58-A7D7-72A47AACDEA5}"/>
+              </a:ext>
+            </a:extLst>
+          </p:cNvPr>
+          <p:cNvGraphicFramePr>
+            <a:graphicFrameLocks noChangeAspect="1"/>
+          </p:cNvGraphicFramePr>
+          <p:nvPr>
+            <p:custDataLst>
+              <p:tags r:id="rId2"/>
+            </p:custDataLst>
+            <p:extLst>
+              <p:ext uri="{D42A27DB-BD31-4B8C-83A1-F6EECF244321}">
+                <p14:modId xmlns:p14="http://schemas.microsoft.com/office/powerpoint/2010/main" val="2554482894"/>
+              </p:ext>
+            </p:extLst>
+          </p:nvPr>
+        </p:nvGraphicFramePr>
+        <p:xfrm>
+          <a:off x="1588" y="1588"/>
+          <a:ext cx="1588" cy="1588"/>
+        </p:xfrm>
+        <a:graphic>
+          <a:graphicData uri="http://schemas.openxmlformats.org/presentationml/2006/ole">
+            <mc:AlternateContent xmlns:mc="http://schemas.openxmlformats.org/markup-compatibility/2006">
+              <mc:Choice xmlns:v="urn:schemas-microsoft-com:vml" Requires="v">
+                <p:oleObj spid="_x0000_s17414" name="think-cell Slide" r:id="rId4" imgW="592" imgH="591" progId="TCLayout.ActiveDocument.1">
+                  <p:embed/>
+                </p:oleObj>
+              </mc:Choice>
+              <mc:Fallback>
+                <p:oleObj name="think-cell Slide" r:id="rId4" imgW="592" imgH="591" progId="TCLayout.ActiveDocument.1">
+                  <p:embed/>
+                  <p:pic>
+                    <p:nvPicPr>
+                      <p:cNvPr id="0" name=""/>
+                      <p:cNvPicPr/>
+                      <p:nvPr/>
+                    </p:nvPicPr>
+                    <p:blipFill>
+                      <a:blip r:embed="rId5"/>
+                      <a:stretch>
+                        <a:fillRect/>
+                      </a:stretch>
+                    </p:blipFill>
+                    <p:spPr>
+                      <a:xfrm>
+                        <a:off x="1588" y="1588"/>
+                        <a:ext cx="1588" cy="1588"/>
+                      </a:xfrm>
+                      <a:prstGeom prst="rect">
+                        <a:avLst/>
+                      </a:prstGeom>
+                    </p:spPr>
+                  </p:pic>
+                </p:oleObj>
+              </mc:Fallback>
+            </mc:AlternateContent>
+          </a:graphicData>
+        </a:graphic>
+      </p:graphicFrame>
+      <p:sp>
+        <p:nvSpPr>
+          <p:cNvPr id="4" name="Slide Number Placeholder 3">
+            <a:extLst>
+              <a:ext uri="{FF2B5EF4-FFF2-40B4-BE49-F238E27FC236}">
+                <a16:creationId xmlns:a16="http://schemas.microsoft.com/office/drawing/2014/main" id="{3129402B-9E07-4C8C-B40D-AAE254257179}"/>
+              </a:ext>
+            </a:extLst>
+          </p:cNvPr>
+          <p:cNvSpPr>
+            <a:spLocks noGrp="1"/>
+          </p:cNvSpPr>
+          <p:nvPr>
+            <p:ph type="sldNum" sz="quarter" idx="12"/>
+          </p:nvPr>
+        </p:nvSpPr>
+        <p:spPr/>
+        <p:txBody>
+          <a:bodyPr/>
+          <a:lstStyle/>
+          <a:p>
+            <a:fld id="{C7D30824-18CB-4847-B226-77C8C7049FAF}" type="slidenum">
+              <a:rPr lang="ru-RU" smtClean="0"/>
+              <a:t>10</a:t>
+            </a:fld>
+            <a:endParaRPr lang="ru-RU"/>
+          </a:p>
+        </p:txBody>
+      </p:sp>
+      <p:sp>
+        <p:nvSpPr>
+          <p:cNvPr id="15" name="TextBox 14">
+            <a:extLst>
+              <a:ext uri="{FF2B5EF4-FFF2-40B4-BE49-F238E27FC236}">
+                <a16:creationId xmlns:a16="http://schemas.microsoft.com/office/drawing/2014/main" id="{8C19229B-ADAE-427F-9982-D39F8F530B72}"/>
+              </a:ext>
+            </a:extLst>
+          </p:cNvPr>
+          <p:cNvSpPr txBox="1"/>
+          <p:nvPr/>
+        </p:nvSpPr>
+        <p:spPr>
+          <a:xfrm>
+            <a:off x="1455132" y="2998977"/>
+            <a:ext cx="6806444" cy="400110"/>
+          </a:xfrm>
+          <a:prstGeom prst="rect">
+            <a:avLst/>
+          </a:prstGeom>
+          <a:noFill/>
+        </p:spPr>
+        <p:txBody>
+          <a:bodyPr wrap="square">
+            <a:spAutoFit/>
+          </a:bodyPr>
+          <a:lstStyle/>
+          <a:p>
+            <a:pPr rtl="0" fontAlgn="base">
+              <a:spcBef>
+                <a:spcPts val="0"/>
+              </a:spcBef>
+              <a:spcAft>
+                <a:spcPts val="0"/>
+              </a:spcAft>
+            </a:pPr>
+            <a:r>
+              <a:rPr lang="ru-RU" sz="2000" b="1" i="0" u="none" strike="noStrike" dirty="0">
+                <a:solidFill>
+                  <a:srgbClr val="2F5597"/>
+                </a:solidFill>
+                <a:effectLst/>
+              </a:rPr>
+              <a:t>Сравнение</a:t>
+            </a:r>
+            <a:r>
+              <a:rPr lang="ru-RU" sz="2000" b="0" i="0" u="none" strike="noStrike" dirty="0">
+                <a:effectLst/>
+              </a:rPr>
+              <a:t>: средний прирост </a:t>
+            </a:r>
+            <a:r>
+              <a:rPr lang="ru-RU" sz="2000" b="0" i="0" u="none" strike="noStrike" dirty="0" err="1">
+                <a:effectLst/>
+              </a:rPr>
+              <a:t>Score</a:t>
+            </a:r>
+            <a:r>
+              <a:rPr lang="ru-RU" sz="2000" b="0" i="0" u="none" strike="noStrike" dirty="0">
+                <a:effectLst/>
+              </a:rPr>
+              <a:t> от прохождения курса</a:t>
+            </a:r>
+          </a:p>
+        </p:txBody>
+      </p:sp>
+      <p:sp>
+        <p:nvSpPr>
+          <p:cNvPr id="17" name="TextBox 16">
+            <a:extLst>
+              <a:ext uri="{FF2B5EF4-FFF2-40B4-BE49-F238E27FC236}">
+                <a16:creationId xmlns:a16="http://schemas.microsoft.com/office/drawing/2014/main" id="{7DF71D31-B380-4895-9603-F8023CA325D1}"/>
+              </a:ext>
+            </a:extLst>
+          </p:cNvPr>
+          <p:cNvSpPr txBox="1"/>
+          <p:nvPr/>
+        </p:nvSpPr>
+        <p:spPr>
+          <a:xfrm>
+            <a:off x="1455131" y="3882345"/>
+            <a:ext cx="7067979" cy="400110"/>
+          </a:xfrm>
+          <a:prstGeom prst="rect">
+            <a:avLst/>
+          </a:prstGeom>
+          <a:noFill/>
+        </p:spPr>
+        <p:txBody>
+          <a:bodyPr wrap="square">
+            <a:spAutoFit/>
+          </a:bodyPr>
+          <a:lstStyle/>
+          <a:p>
+            <a:pPr rtl="0" fontAlgn="base">
+              <a:spcBef>
+                <a:spcPts val="0"/>
+              </a:spcBef>
+              <a:spcAft>
+                <a:spcPts val="0"/>
+              </a:spcAft>
+            </a:pPr>
+            <a:r>
+              <a:rPr lang="ru-RU" sz="2000" b="1" i="0" u="none" strike="noStrike" dirty="0">
+                <a:solidFill>
+                  <a:srgbClr val="2F5597"/>
+                </a:solidFill>
+                <a:effectLst/>
+              </a:rPr>
+              <a:t>Необходимая выборка</a:t>
+            </a:r>
+            <a:r>
+              <a:rPr lang="ru-RU" sz="2000" b="0" i="0" u="none" strike="noStrike" dirty="0">
+                <a:effectLst/>
+              </a:rPr>
+              <a:t>: несколько тысяч прохождений</a:t>
+            </a:r>
+          </a:p>
+        </p:txBody>
+      </p:sp>
+      <p:sp>
+        <p:nvSpPr>
+          <p:cNvPr id="19" name="TextBox 18">
+            <a:extLst>
+              <a:ext uri="{FF2B5EF4-FFF2-40B4-BE49-F238E27FC236}">
+                <a16:creationId xmlns:a16="http://schemas.microsoft.com/office/drawing/2014/main" id="{E399C635-BD9D-4EBE-8DAB-E9C88D844E04}"/>
+              </a:ext>
+            </a:extLst>
+          </p:cNvPr>
+          <p:cNvSpPr txBox="1"/>
+          <p:nvPr/>
+        </p:nvSpPr>
+        <p:spPr>
+          <a:xfrm>
+            <a:off x="1455131" y="4848886"/>
+            <a:ext cx="6806445" cy="400110"/>
+          </a:xfrm>
+          <a:prstGeom prst="rect">
+            <a:avLst/>
+          </a:prstGeom>
+          <a:noFill/>
+        </p:spPr>
+        <p:txBody>
+          <a:bodyPr wrap="square">
+            <a:spAutoFit/>
+          </a:bodyPr>
+          <a:lstStyle/>
+          <a:p>
+            <a:pPr rtl="0" fontAlgn="base">
+              <a:spcBef>
+                <a:spcPts val="0"/>
+              </a:spcBef>
+              <a:spcAft>
+                <a:spcPts val="1200"/>
+              </a:spcAft>
+            </a:pPr>
+            <a:r>
+              <a:rPr lang="ru-RU" sz="2000" b="1" i="0" u="none" strike="noStrike" dirty="0">
+                <a:solidFill>
+                  <a:srgbClr val="2F5597"/>
+                </a:solidFill>
+                <a:effectLst/>
+              </a:rPr>
+              <a:t>Условие</a:t>
+            </a:r>
+            <a:r>
+              <a:rPr lang="ru-RU" sz="2000" b="0" i="0" u="none" strike="noStrike" dirty="0">
+                <a:effectLst/>
+              </a:rPr>
+              <a:t>: принудительное следование рекомендациям </a:t>
+            </a:r>
+          </a:p>
+        </p:txBody>
+      </p:sp>
+      <p:sp>
+        <p:nvSpPr>
+          <p:cNvPr id="20" name="Title 1">
+            <a:extLst>
+              <a:ext uri="{FF2B5EF4-FFF2-40B4-BE49-F238E27FC236}">
+                <a16:creationId xmlns:a16="http://schemas.microsoft.com/office/drawing/2014/main" id="{0FAFB02D-98F6-4D1C-A45C-303B449BC4CC}"/>
+              </a:ext>
+            </a:extLst>
+          </p:cNvPr>
+          <p:cNvSpPr txBox="1">
+            <a:spLocks/>
+          </p:cNvSpPr>
+          <p:nvPr/>
+        </p:nvSpPr>
+        <p:spPr>
+          <a:xfrm>
+            <a:off x="266700" y="249731"/>
+            <a:ext cx="9010650" cy="600333"/>
+          </a:xfrm>
+          <a:prstGeom prst="rect">
+            <a:avLst/>
+          </a:prstGeom>
+        </p:spPr>
+        <p:txBody>
+          <a:bodyPr vert="horz" lIns="91440" tIns="45720" rIns="91440" bIns="45720" rtlCol="0" anchor="b">
+            <a:normAutofit/>
+          </a:bodyPr>
+          <a:lstStyle>
+            <a:lvl1pPr algn="ctr" defTabSz="914400" rtl="0" eaLnBrk="1" latinLnBrk="0" hangingPunct="1">
+              <a:lnSpc>
+                <a:spcPct val="90000"/>
+              </a:lnSpc>
+              <a:spcBef>
+                <a:spcPct val="0"/>
+              </a:spcBef>
+              <a:buNone/>
+              <a:defRPr sz="6000" kern="1200">
+                <a:solidFill>
+                  <a:schemeClr val="tx1"/>
+                </a:solidFill>
+                <a:latin typeface="+mj-lt"/>
+                <a:ea typeface="+mj-ea"/>
+                <a:cs typeface="+mj-cs"/>
+              </a:defRPr>
+            </a:lvl1pPr>
+          </a:lstStyle>
+          <a:p>
+            <a:pPr algn="l"/>
+            <a:r>
+              <a:rPr lang="ru-RU" sz="2800" b="1" dirty="0">
+                <a:solidFill>
+                  <a:srgbClr val="2F5597"/>
+                </a:solidFill>
+                <a:latin typeface="Calibri" panose="020F0502020204030204" pitchFamily="34" charset="0"/>
+                <a:cs typeface="Calibri" panose="020F0502020204030204" pitchFamily="34" charset="0"/>
+              </a:rPr>
+              <a:t>ДИЗАЙН А</a:t>
+            </a:r>
+            <a:r>
+              <a:rPr lang="en-US" sz="2800" b="1" dirty="0">
+                <a:solidFill>
+                  <a:srgbClr val="2F5597"/>
+                </a:solidFill>
+                <a:latin typeface="Calibri" panose="020F0502020204030204" pitchFamily="34" charset="0"/>
+                <a:cs typeface="Calibri" panose="020F0502020204030204" pitchFamily="34" charset="0"/>
+              </a:rPr>
+              <a:t>/B</a:t>
+            </a:r>
+            <a:r>
+              <a:rPr lang="ru-RU" sz="2800" b="1" dirty="0">
+                <a:solidFill>
+                  <a:srgbClr val="2F5597"/>
+                </a:solidFill>
+                <a:latin typeface="Calibri" panose="020F0502020204030204" pitchFamily="34" charset="0"/>
+                <a:cs typeface="Calibri" panose="020F0502020204030204" pitchFamily="34" charset="0"/>
+              </a:rPr>
+              <a:t> ТЕСТА</a:t>
+            </a:r>
+            <a:r>
+              <a:rPr lang="en-US" sz="2800" b="1" dirty="0">
+                <a:solidFill>
+                  <a:srgbClr val="2F5597"/>
+                </a:solidFill>
+                <a:latin typeface="Calibri" panose="020F0502020204030204" pitchFamily="34" charset="0"/>
+                <a:cs typeface="Calibri" panose="020F0502020204030204" pitchFamily="34" charset="0"/>
+              </a:rPr>
+              <a:t> </a:t>
+            </a:r>
+          </a:p>
+        </p:txBody>
+      </p:sp>
+      <p:pic>
+        <p:nvPicPr>
+          <p:cNvPr id="23" name="Picture 2">
+            <a:extLst>
+              <a:ext uri="{FF2B5EF4-FFF2-40B4-BE49-F238E27FC236}">
+                <a16:creationId xmlns:a16="http://schemas.microsoft.com/office/drawing/2014/main" id="{291E4B8C-2792-43AD-B683-7D122FD40A63}"/>
+              </a:ext>
+            </a:extLst>
+          </p:cNvPr>
+          <p:cNvPicPr>
+            <a:picLocks noChangeAspect="1" noChangeArrowheads="1"/>
+          </p:cNvPicPr>
+          <p:nvPr/>
+        </p:nvPicPr>
+        <p:blipFill>
+          <a:blip r:embed="rId6">
+            <a:extLst>
+              <a:ext uri="{28A0092B-C50C-407E-A947-70E740481C1C}">
+                <a14:useLocalDpi xmlns:a14="http://schemas.microsoft.com/office/drawing/2010/main" val="0"/>
+              </a:ext>
+            </a:extLst>
+          </a:blip>
+          <a:srcRect/>
+          <a:stretch>
+            <a:fillRect/>
+          </a:stretch>
+        </p:blipFill>
+        <p:spPr bwMode="auto">
+          <a:xfrm>
+            <a:off x="10040257" y="69343"/>
+            <a:ext cx="2151743" cy="961112"/>
+          </a:xfrm>
+          <a:prstGeom prst="rect">
+            <a:avLst/>
+          </a:prstGeom>
+          <a:noFill/>
+          <a:extLst>
+            <a:ext uri="{909E8E84-426E-40DD-AFC4-6F175D3DCCD1}">
+              <a14:hiddenFill xmlns:a14="http://schemas.microsoft.com/office/drawing/2010/main">
+                <a:solidFill>
+                  <a:srgbClr val="FFFFFF"/>
+                </a:solidFill>
+              </a14:hiddenFill>
+            </a:ext>
+          </a:extLst>
+        </p:spPr>
+      </p:pic>
+      <p:pic>
+        <p:nvPicPr>
+          <p:cNvPr id="24" name="Picture 3">
+            <a:extLst>
+              <a:ext uri="{FF2B5EF4-FFF2-40B4-BE49-F238E27FC236}">
+                <a16:creationId xmlns:a16="http://schemas.microsoft.com/office/drawing/2014/main" id="{BE2498FF-B1A1-4EB5-8A9D-C554A2D52E8D}"/>
+              </a:ext>
+            </a:extLst>
+          </p:cNvPr>
+          <p:cNvPicPr>
+            <a:picLocks noChangeAspect="1" noChangeArrowheads="1"/>
+          </p:cNvPicPr>
+          <p:nvPr/>
+        </p:nvPicPr>
+        <p:blipFill>
+          <a:blip r:embed="rId7">
+            <a:extLst>
+              <a:ext uri="{28A0092B-C50C-407E-A947-70E740481C1C}">
+                <a14:useLocalDpi xmlns:a14="http://schemas.microsoft.com/office/drawing/2010/main" val="0"/>
+              </a:ext>
+            </a:extLst>
+          </a:blip>
+          <a:srcRect/>
+          <a:stretch>
+            <a:fillRect/>
+          </a:stretch>
+        </p:blipFill>
+        <p:spPr bwMode="auto">
+          <a:xfrm>
+            <a:off x="8261577" y="137798"/>
+            <a:ext cx="2854551" cy="824201"/>
+          </a:xfrm>
+          <a:prstGeom prst="rect">
+            <a:avLst/>
+          </a:prstGeom>
+          <a:noFill/>
+          <a:extLst>
+            <a:ext uri="{909E8E84-426E-40DD-AFC4-6F175D3DCCD1}">
+              <a14:hiddenFill xmlns:a14="http://schemas.microsoft.com/office/drawing/2010/main">
+                <a:solidFill>
+                  <a:srgbClr val="FFFFFF"/>
+                </a:solidFill>
+              </a14:hiddenFill>
+            </a:ext>
+          </a:extLst>
+        </p:spPr>
+      </p:pic>
+      <p:pic>
+        <p:nvPicPr>
+          <p:cNvPr id="26" name="Picture 15">
+            <a:extLst>
+              <a:ext uri="{FF2B5EF4-FFF2-40B4-BE49-F238E27FC236}">
+                <a16:creationId xmlns:a16="http://schemas.microsoft.com/office/drawing/2014/main" id="{48F435F0-60D1-4368-B0F8-422B9C700FD2}"/>
+              </a:ext>
+            </a:extLst>
+          </p:cNvPr>
+          <p:cNvPicPr>
+            <a:picLocks noChangeAspect="1" noChangeArrowheads="1"/>
+          </p:cNvPicPr>
+          <p:nvPr/>
+        </p:nvPicPr>
+        <p:blipFill>
+          <a:blip r:embed="rId8">
+            <a:extLst>
+              <a:ext uri="{28A0092B-C50C-407E-A947-70E740481C1C}">
+                <a14:useLocalDpi xmlns:a14="http://schemas.microsoft.com/office/drawing/2010/main" val="0"/>
+              </a:ext>
+            </a:extLst>
+          </a:blip>
+          <a:srcRect/>
+          <a:stretch>
+            <a:fillRect/>
+          </a:stretch>
+        </p:blipFill>
+        <p:spPr bwMode="auto">
+          <a:xfrm>
+            <a:off x="647128" y="4764878"/>
+            <a:ext cx="568125" cy="568125"/>
+          </a:xfrm>
+          <a:prstGeom prst="rect">
+            <a:avLst/>
+          </a:prstGeom>
+          <a:noFill/>
+          <a:ln>
+            <a:noFill/>
+          </a:ln>
+          <a:effectLst/>
+          <a:extLst>
+            <a:ext uri="{909E8E84-426E-40DD-AFC4-6F175D3DCCD1}">
+              <a14:hiddenFill xmlns:a14="http://schemas.microsoft.com/office/drawing/2010/main">
+                <a:solidFill>
+                  <a:schemeClr val="accent1"/>
+                </a:solidFill>
+              </a14:hiddenFill>
+            </a:ext>
+            <a:ext uri="{91240B29-F687-4F45-9708-019B960494DF}">
+              <a14:hiddenLine xmlns:a14="http://schemas.microsoft.com/office/drawing/2010/main" w="9525">
+                <a:solidFill>
+                  <a:schemeClr val="tx1"/>
+                </a:solidFill>
+                <a:miter lim="800000"/>
+                <a:headEnd/>
+                <a:tailEnd/>
+              </a14:hiddenLine>
+            </a:ext>
+            <a:ext uri="{AF507438-7753-43E0-B8FC-AC1667EBCBE1}">
+              <a14:hiddenEffects xmlns:a14="http://schemas.microsoft.com/office/drawing/2010/main">
+                <a:effectLst>
+                  <a:outerShdw dist="35921" dir="2700000" algn="ctr" rotWithShape="0">
+                    <a:schemeClr val="bg2"/>
+                  </a:outerShdw>
+                </a:effectLst>
+              </a14:hiddenEffects>
+            </a:ext>
+          </a:extLst>
+        </p:spPr>
+      </p:pic>
+      <p:pic>
+        <p:nvPicPr>
+          <p:cNvPr id="29" name="Picture 8">
+            <a:extLst>
+              <a:ext uri="{FF2B5EF4-FFF2-40B4-BE49-F238E27FC236}">
+                <a16:creationId xmlns:a16="http://schemas.microsoft.com/office/drawing/2014/main" id="{9E7903F1-94AE-47E7-A824-C716CCCFFBE9}"/>
+              </a:ext>
+            </a:extLst>
+          </p:cNvPr>
+          <p:cNvPicPr>
+            <a:picLocks noChangeAspect="1" noChangeArrowheads="1"/>
+          </p:cNvPicPr>
+          <p:nvPr/>
+        </p:nvPicPr>
+        <p:blipFill>
+          <a:blip r:embed="rId9">
+            <a:extLst>
+              <a:ext uri="{28A0092B-C50C-407E-A947-70E740481C1C}">
+                <a14:useLocalDpi xmlns:a14="http://schemas.microsoft.com/office/drawing/2010/main" val="0"/>
+              </a:ext>
+            </a:extLst>
+          </a:blip>
+          <a:srcRect/>
+          <a:stretch>
+            <a:fillRect/>
+          </a:stretch>
+        </p:blipFill>
+        <p:spPr bwMode="auto">
+          <a:xfrm>
+            <a:off x="644315" y="3798337"/>
+            <a:ext cx="573750" cy="568125"/>
+          </a:xfrm>
+          <a:prstGeom prst="rect">
+            <a:avLst/>
+          </a:prstGeom>
+          <a:noFill/>
+          <a:ln>
+            <a:noFill/>
+          </a:ln>
+          <a:effectLst/>
+          <a:extLst>
+            <a:ext uri="{909E8E84-426E-40DD-AFC4-6F175D3DCCD1}">
+              <a14:hiddenFill xmlns:a14="http://schemas.microsoft.com/office/drawing/2010/main">
+                <a:solidFill>
+                  <a:schemeClr val="accent1"/>
+                </a:solidFill>
+              </a14:hiddenFill>
+            </a:ext>
+            <a:ext uri="{91240B29-F687-4F45-9708-019B960494DF}">
+              <a14:hiddenLine xmlns:a14="http://schemas.microsoft.com/office/drawing/2010/main" w="9525">
+                <a:solidFill>
+                  <a:schemeClr val="tx1"/>
+                </a:solidFill>
+                <a:miter lim="800000"/>
+                <a:headEnd/>
+                <a:tailEnd/>
+              </a14:hiddenLine>
+            </a:ext>
+            <a:ext uri="{AF507438-7753-43E0-B8FC-AC1667EBCBE1}">
+              <a14:hiddenEffects xmlns:a14="http://schemas.microsoft.com/office/drawing/2010/main">
+                <a:effectLst>
+                  <a:outerShdw dist="35921" dir="2700000" algn="ctr" rotWithShape="0">
+                    <a:schemeClr val="bg2"/>
+                  </a:outerShdw>
+                </a:effectLst>
+              </a14:hiddenEffects>
+            </a:ext>
+          </a:extLst>
+        </p:spPr>
+      </p:pic>
+      <p:pic>
+        <p:nvPicPr>
+          <p:cNvPr id="32" name="Picture 14">
+            <a:extLst>
+              <a:ext uri="{FF2B5EF4-FFF2-40B4-BE49-F238E27FC236}">
+                <a16:creationId xmlns:a16="http://schemas.microsoft.com/office/drawing/2014/main" id="{98C80687-348E-47AB-B619-4B63F68F91A8}"/>
+              </a:ext>
+            </a:extLst>
+          </p:cNvPr>
+          <p:cNvPicPr>
+            <a:picLocks noChangeAspect="1" noChangeArrowheads="1"/>
+          </p:cNvPicPr>
+          <p:nvPr/>
+        </p:nvPicPr>
+        <p:blipFill>
+          <a:blip r:embed="rId10">
+            <a:extLst>
+              <a:ext uri="{28A0092B-C50C-407E-A947-70E740481C1C}">
+                <a14:useLocalDpi xmlns:a14="http://schemas.microsoft.com/office/drawing/2010/main" val="0"/>
+              </a:ext>
+            </a:extLst>
+          </a:blip>
+          <a:srcRect/>
+          <a:stretch>
+            <a:fillRect/>
+          </a:stretch>
+        </p:blipFill>
+        <p:spPr bwMode="auto">
+          <a:xfrm>
+            <a:off x="647128" y="1842732"/>
+            <a:ext cx="568125" cy="573750"/>
+          </a:xfrm>
+          <a:prstGeom prst="rect">
+            <a:avLst/>
+          </a:prstGeom>
+          <a:noFill/>
+          <a:ln>
+            <a:noFill/>
+          </a:ln>
+          <a:effectLst/>
+          <a:extLst>
+            <a:ext uri="{909E8E84-426E-40DD-AFC4-6F175D3DCCD1}">
+              <a14:hiddenFill xmlns:a14="http://schemas.microsoft.com/office/drawing/2010/main">
+                <a:solidFill>
+                  <a:schemeClr val="accent1"/>
+                </a:solidFill>
+              </a14:hiddenFill>
+            </a:ext>
+            <a:ext uri="{91240B29-F687-4F45-9708-019B960494DF}">
+              <a14:hiddenLine xmlns:a14="http://schemas.microsoft.com/office/drawing/2010/main" w="9525">
+                <a:solidFill>
+                  <a:schemeClr val="tx1"/>
+                </a:solidFill>
+                <a:miter lim="800000"/>
+                <a:headEnd/>
+                <a:tailEnd/>
+              </a14:hiddenLine>
+            </a:ext>
+            <a:ext uri="{AF507438-7753-43E0-B8FC-AC1667EBCBE1}">
+              <a14:hiddenEffects xmlns:a14="http://schemas.microsoft.com/office/drawing/2010/main">
+                <a:effectLst>
+                  <a:outerShdw dist="35921" dir="2700000" algn="ctr" rotWithShape="0">
+                    <a:schemeClr val="bg2"/>
+                  </a:outerShdw>
+                </a:effectLst>
+              </a14:hiddenEffects>
+            </a:ext>
+          </a:extLst>
+        </p:spPr>
+      </p:pic>
+      <p:pic>
+        <p:nvPicPr>
+          <p:cNvPr id="33" name="Picture 2">
+            <a:extLst>
+              <a:ext uri="{FF2B5EF4-FFF2-40B4-BE49-F238E27FC236}">
+                <a16:creationId xmlns:a16="http://schemas.microsoft.com/office/drawing/2014/main" id="{4D66556E-FB8E-42AA-87F5-4ECEB8F6C910}"/>
+              </a:ext>
+            </a:extLst>
+          </p:cNvPr>
+          <p:cNvPicPr>
+            <a:picLocks noChangeAspect="1" noChangeArrowheads="1"/>
+          </p:cNvPicPr>
+          <p:nvPr/>
+        </p:nvPicPr>
+        <p:blipFill>
+          <a:blip r:embed="rId11">
+            <a:extLst>
+              <a:ext uri="{28A0092B-C50C-407E-A947-70E740481C1C}">
+                <a14:useLocalDpi xmlns:a14="http://schemas.microsoft.com/office/drawing/2010/main" val="0"/>
+              </a:ext>
+            </a:extLst>
+          </a:blip>
+          <a:srcRect/>
+          <a:stretch>
+            <a:fillRect/>
+          </a:stretch>
+        </p:blipFill>
+        <p:spPr bwMode="auto">
+          <a:xfrm>
+            <a:off x="647128" y="2998977"/>
+            <a:ext cx="568125" cy="568125"/>
+          </a:xfrm>
+          <a:prstGeom prst="rect">
+            <a:avLst/>
+          </a:prstGeom>
+          <a:noFill/>
+          <a:ln>
+            <a:noFill/>
+          </a:ln>
+          <a:effectLst/>
+          <a:extLst>
+            <a:ext uri="{909E8E84-426E-40DD-AFC4-6F175D3DCCD1}">
+              <a14:hiddenFill xmlns:a14="http://schemas.microsoft.com/office/drawing/2010/main">
+                <a:solidFill>
+                  <a:schemeClr val="accent1"/>
+                </a:solidFill>
+              </a14:hiddenFill>
+            </a:ext>
+            <a:ext uri="{91240B29-F687-4F45-9708-019B960494DF}">
+              <a14:hiddenLine xmlns:a14="http://schemas.microsoft.com/office/drawing/2010/main" w="9525">
+                <a:solidFill>
+                  <a:schemeClr val="tx1"/>
+                </a:solidFill>
+                <a:miter lim="800000"/>
+                <a:headEnd/>
+                <a:tailEnd/>
+              </a14:hiddenLine>
+            </a:ext>
+            <a:ext uri="{AF507438-7753-43E0-B8FC-AC1667EBCBE1}">
+              <a14:hiddenEffects xmlns:a14="http://schemas.microsoft.com/office/drawing/2010/main">
+                <a:effectLst>
+                  <a:outerShdw dist="35921" dir="2700000" algn="ctr" rotWithShape="0">
+                    <a:schemeClr val="bg2"/>
+                  </a:outerShdw>
+                </a:effectLst>
+              </a14:hiddenEffects>
+            </a:ext>
+          </a:extLst>
+        </p:spPr>
+      </p:pic>
+      <p:sp>
+        <p:nvSpPr>
+          <p:cNvPr id="35" name="TextBox 34">
+            <a:extLst>
+              <a:ext uri="{FF2B5EF4-FFF2-40B4-BE49-F238E27FC236}">
+                <a16:creationId xmlns:a16="http://schemas.microsoft.com/office/drawing/2014/main" id="{2D897E77-2D3C-45B8-92D5-DDDE073CA0B2}"/>
+              </a:ext>
+            </a:extLst>
+          </p:cNvPr>
+          <p:cNvSpPr txBox="1"/>
+          <p:nvPr/>
+        </p:nvSpPr>
+        <p:spPr>
+          <a:xfrm>
+            <a:off x="1455132" y="1575272"/>
+            <a:ext cx="7538155" cy="1323439"/>
+          </a:xfrm>
+          <a:prstGeom prst="rect">
+            <a:avLst/>
+          </a:prstGeom>
+          <a:noFill/>
+        </p:spPr>
+        <p:txBody>
+          <a:bodyPr wrap="square">
+            <a:spAutoFit/>
+          </a:bodyPr>
+          <a:lstStyle/>
+          <a:p>
+            <a:pPr rtl="0" fontAlgn="base">
+              <a:spcBef>
+                <a:spcPts val="0"/>
+              </a:spcBef>
+              <a:spcAft>
+                <a:spcPts val="0"/>
+              </a:spcAft>
+            </a:pPr>
+            <a:r>
+              <a:rPr lang="ru-RU" sz="2000" b="1" i="0" u="none" strike="noStrike" dirty="0">
+                <a:solidFill>
+                  <a:srgbClr val="2F5597"/>
+                </a:solidFill>
+                <a:effectLst/>
+              </a:rPr>
+              <a:t>Группы рекомендаций</a:t>
+            </a:r>
+            <a:r>
+              <a:rPr lang="ru-RU" sz="2000" b="0" i="0" u="none" strike="noStrike" dirty="0">
+                <a:solidFill>
+                  <a:schemeClr val="tx1"/>
+                </a:solidFill>
+                <a:effectLst/>
+              </a:rPr>
+              <a:t>:</a:t>
+            </a:r>
+            <a:endParaRPr lang="en-US" sz="2000" b="0" i="0" u="none" strike="noStrike" dirty="0">
+              <a:solidFill>
+                <a:schemeClr val="tx1"/>
+              </a:solidFill>
+              <a:effectLst/>
+            </a:endParaRPr>
+          </a:p>
+          <a:p>
+            <a:pPr marL="342900" indent="-342900" rtl="0" fontAlgn="base">
+              <a:spcBef>
+                <a:spcPts val="0"/>
+              </a:spcBef>
+              <a:spcAft>
+                <a:spcPts val="0"/>
+              </a:spcAft>
+              <a:buAutoNum type="arabicPeriod"/>
+            </a:pPr>
+            <a:r>
+              <a:rPr lang="ru-RU" sz="2000" b="0" i="0" u="none" strike="noStrike" dirty="0">
+                <a:solidFill>
+                  <a:schemeClr val="tx1"/>
+                </a:solidFill>
+                <a:effectLst/>
+              </a:rPr>
+              <a:t>Случайные</a:t>
+            </a:r>
+            <a:endParaRPr lang="en-US" sz="2000" dirty="0"/>
+          </a:p>
+          <a:p>
+            <a:pPr marL="342900" indent="-342900" rtl="0" fontAlgn="base">
+              <a:spcBef>
+                <a:spcPts val="0"/>
+              </a:spcBef>
+              <a:spcAft>
+                <a:spcPts val="0"/>
+              </a:spcAft>
+              <a:buAutoNum type="arabicPeriod"/>
+            </a:pPr>
+            <a:r>
+              <a:rPr lang="ru-RU" sz="2000" b="0" i="0" u="none" strike="noStrike" dirty="0">
+                <a:solidFill>
+                  <a:schemeClr val="tx1"/>
+                </a:solidFill>
+                <a:effectLst/>
+              </a:rPr>
+              <a:t>Общие (лучшие курсы)</a:t>
+            </a:r>
+            <a:endParaRPr lang="en-US" sz="2000" b="0" i="0" u="none" strike="noStrike" dirty="0">
+              <a:solidFill>
+                <a:schemeClr val="tx1"/>
+              </a:solidFill>
+              <a:effectLst/>
+            </a:endParaRPr>
+          </a:p>
+          <a:p>
+            <a:pPr marL="342900" indent="-342900" rtl="0" fontAlgn="base">
+              <a:spcBef>
+                <a:spcPts val="0"/>
+              </a:spcBef>
+              <a:spcAft>
+                <a:spcPts val="0"/>
+              </a:spcAft>
+              <a:buAutoNum type="arabicPeriod"/>
+            </a:pPr>
+            <a:r>
+              <a:rPr lang="ru-RU" sz="2000" b="0" i="0" u="none" strike="noStrike" dirty="0">
+                <a:solidFill>
+                  <a:schemeClr val="tx1"/>
+                </a:solidFill>
+                <a:effectLst/>
+              </a:rPr>
+              <a:t>Персонализированные</a:t>
+            </a:r>
+          </a:p>
+        </p:txBody>
+      </p:sp>
+    </p:spTree>
+    <p:extLst>
+      <p:ext uri="{BB962C8B-B14F-4D97-AF65-F5344CB8AC3E}">
+        <p14:creationId xmlns:p14="http://schemas.microsoft.com/office/powerpoint/2010/main" val="4206667708"/>
+      </p:ext>
+    </p:extLst>
+  </p:cSld>
+  <p:clrMapOvr>
+    <a:masterClrMapping/>
+  </p:clrMapOvr>
+</p:sld>
+</file>
+
+<file path=ppt/slides/slide11.xml><?xml version="1.0" encoding="utf-8"?>
+<p:sld xmlns:a="http://schemas.openxmlformats.org/drawingml/2006/main" xmlns:r="http://schemas.openxmlformats.org/officeDocument/2006/relationships" xmlns:p="http://schemas.openxmlformats.org/presentationml/2006/main">
+  <p:cSld>
+    <p:spTree>
+      <p:nvGrpSpPr>
+        <p:cNvPr id="1" name=""/>
+        <p:cNvGrpSpPr/>
+        <p:nvPr/>
+      </p:nvGrpSpPr>
+      <p:grpSpPr>
+        <a:xfrm>
+          <a:off x="0" y="0"/>
+          <a:ext cx="0" cy="0"/>
+          <a:chOff x="0" y="0"/>
+          <a:chExt cx="0" cy="0"/>
+        </a:xfrm>
+      </p:grpSpPr>
+      <p:graphicFrame>
+        <p:nvGraphicFramePr>
           <p:cNvPr id="4" name="think-cell data - do not delete" hidden="1">
             <a:extLst>
               <a:ext uri="{FF2B5EF4-FFF2-40B4-BE49-F238E27FC236}">
@@ -6201,7 +7385,7 @@
           <a:graphicData uri="http://schemas.openxmlformats.org/presentationml/2006/ole">
             <mc:AlternateContent xmlns:mc="http://schemas.openxmlformats.org/markup-compatibility/2006">
               <mc:Choice xmlns:v="urn:schemas-microsoft-com:vml" Requires="v">
-                <p:oleObj spid="_x0000_s16389" name="think-cell Slide" r:id="rId5" imgW="592" imgH="591" progId="TCLayout.ActiveDocument.1">
+                <p:oleObj spid="_x0000_s16393" name="think-cell Slide" r:id="rId5" imgW="592" imgH="591" progId="TCLayout.ActiveDocument.1">
                   <p:embed/>
                 </p:oleObj>
               </mc:Choice>
@@ -6662,7 +7846,7 @@
 </p:sld>
 </file>
 
-<file path=ppt/slides/slide11.xml><?xml version="1.0" encoding="utf-8"?>
+<file path=ppt/slides/slide12.xml><?xml version="1.0" encoding="utf-8"?>
 <p:sld xmlns:a="http://schemas.openxmlformats.org/drawingml/2006/main" xmlns:r="http://schemas.openxmlformats.org/officeDocument/2006/relationships" xmlns:p="http://schemas.openxmlformats.org/presentationml/2006/main">
   <p:cSld>
     <p:spTree>
@@ -6705,7 +7889,7 @@
           <a:graphicData uri="http://schemas.openxmlformats.org/presentationml/2006/ole">
             <mc:AlternateContent xmlns:mc="http://schemas.openxmlformats.org/markup-compatibility/2006">
               <mc:Choice xmlns:v="urn:schemas-microsoft-com:vml" Requires="v">
-                <p:oleObj spid="_x0000_s13319" name="think-cell Slide" r:id="rId4" imgW="592" imgH="591" progId="TCLayout.ActiveDocument.1">
+                <p:oleObj spid="_x0000_s13323" name="think-cell Slide" r:id="rId4" imgW="592" imgH="591" progId="TCLayout.ActiveDocument.1">
                   <p:embed/>
                 </p:oleObj>
               </mc:Choice>
@@ -6863,7 +8047,7 @@
           <a:p>
             <a:fld id="{C7D30824-18CB-4847-B226-77C8C7049FAF}" type="slidenum">
               <a:rPr lang="ru-RU" smtClean="0"/>
-              <a:t>11</a:t>
+              <a:t>12</a:t>
             </a:fld>
             <a:endParaRPr lang="ru-RU"/>
           </a:p>
@@ -7163,7 +8347,7 @@
           <a:graphicData uri="http://schemas.openxmlformats.org/presentationml/2006/ole">
             <mc:AlternateContent xmlns:mc="http://schemas.openxmlformats.org/markup-compatibility/2006">
               <mc:Choice xmlns:v="urn:schemas-microsoft-com:vml" Requires="v">
-                <p:oleObj spid="_x0000_s7182" name="think-cell Slide" r:id="rId5" imgW="592" imgH="591" progId="TCLayout.ActiveDocument.1">
+                <p:oleObj spid="_x0000_s7186" name="think-cell Slide" r:id="rId5" imgW="592" imgH="591" progId="TCLayout.ActiveDocument.1">
                   <p:embed/>
                 </p:oleObj>
               </mc:Choice>
@@ -9128,7 +10312,7 @@
           <a:graphicData uri="http://schemas.openxmlformats.org/presentationml/2006/ole">
             <mc:AlternateContent xmlns:mc="http://schemas.openxmlformats.org/markup-compatibility/2006">
               <mc:Choice xmlns:v="urn:schemas-microsoft-com:vml" Requires="v">
-                <p:oleObj spid="_x0000_s3086" name="think-cell Slide" r:id="rId4" imgW="592" imgH="591" progId="TCLayout.ActiveDocument.1">
+                <p:oleObj spid="_x0000_s3090" name="think-cell Slide" r:id="rId4" imgW="592" imgH="591" progId="TCLayout.ActiveDocument.1">
                   <p:embed/>
                 </p:oleObj>
               </mc:Choice>
@@ -10421,7 +11605,7 @@
           <a:graphicData uri="http://schemas.openxmlformats.org/presentationml/2006/ole">
             <mc:AlternateContent xmlns:mc="http://schemas.openxmlformats.org/markup-compatibility/2006">
               <mc:Choice xmlns:v="urn:schemas-microsoft-com:vml" Requires="v">
-                <p:oleObj spid="_x0000_s8206" name="think-cell Slide" r:id="rId4" imgW="592" imgH="591" progId="TCLayout.ActiveDocument.1">
+                <p:oleObj spid="_x0000_s8210" name="think-cell Slide" r:id="rId4" imgW="592" imgH="591" progId="TCLayout.ActiveDocument.1">
                   <p:embed/>
                 </p:oleObj>
               </mc:Choice>
@@ -10859,7 +12043,7 @@
           <a:graphicData uri="http://schemas.openxmlformats.org/presentationml/2006/ole">
             <mc:AlternateContent xmlns:mc="http://schemas.openxmlformats.org/markup-compatibility/2006">
               <mc:Choice xmlns:v="urn:schemas-microsoft-com:vml" Requires="v">
-                <p:oleObj spid="_x0000_s9222" name="think-cell Slide" r:id="rId4" imgW="592" imgH="591" progId="TCLayout.ActiveDocument.1">
+                <p:oleObj spid="_x0000_s9226" name="think-cell Slide" r:id="rId4" imgW="592" imgH="591" progId="TCLayout.ActiveDocument.1">
                   <p:embed/>
                 </p:oleObj>
               </mc:Choice>
@@ -11194,7 +12378,7 @@
           <a:graphicData uri="http://schemas.openxmlformats.org/presentationml/2006/ole">
             <mc:AlternateContent xmlns:mc="http://schemas.openxmlformats.org/markup-compatibility/2006">
               <mc:Choice xmlns:v="urn:schemas-microsoft-com:vml" Requires="v">
-                <p:oleObj spid="_x0000_s15369" name="think-cell Slide" r:id="rId4" imgW="592" imgH="591" progId="TCLayout.ActiveDocument.1">
+                <p:oleObj spid="_x0000_s15373" name="think-cell Slide" r:id="rId4" imgW="592" imgH="591" progId="TCLayout.ActiveDocument.1">
                   <p:embed/>
                 </p:oleObj>
               </mc:Choice>
@@ -11387,7 +12571,7 @@
         </p:blipFill>
         <p:spPr bwMode="auto">
           <a:xfrm>
-            <a:off x="406514" y="249731"/>
+            <a:off x="406514" y="419064"/>
             <a:ext cx="7715250" cy="6858000"/>
           </a:xfrm>
           <a:prstGeom prst="rect">
@@ -11475,10 +12659,10 @@
       </p:sp>
       <p:sp>
         <p:nvSpPr>
-          <p:cNvPr id="3" name="TextBox 2">
-            <a:extLst>
-              <a:ext uri="{FF2B5EF4-FFF2-40B4-BE49-F238E27FC236}">
-                <a16:creationId xmlns:a16="http://schemas.microsoft.com/office/drawing/2014/main" id="{74C7721F-062D-4918-96DB-7A11E49155D2}"/>
+          <p:cNvPr id="10" name="TextBox 9">
+            <a:extLst>
+              <a:ext uri="{FF2B5EF4-FFF2-40B4-BE49-F238E27FC236}">
+                <a16:creationId xmlns:a16="http://schemas.microsoft.com/office/drawing/2014/main" id="{F06B3489-CA74-4CE9-B83D-FC28EB9C01BD}"/>
               </a:ext>
             </a:extLst>
           </p:cNvPr>
@@ -11487,8 +12671,8 @@
         </p:nvSpPr>
         <p:spPr>
           <a:xfrm>
-            <a:off x="7477125" y="1246094"/>
-            <a:ext cx="4105275" cy="646331"/>
+            <a:off x="266700" y="686867"/>
+            <a:ext cx="6096000" cy="369332"/>
           </a:xfrm>
           <a:prstGeom prst="rect">
             <a:avLst/>
@@ -11496,13 +12680,17 @@
           <a:noFill/>
         </p:spPr>
         <p:txBody>
-          <a:bodyPr wrap="square" rtlCol="0">
+          <a:bodyPr wrap="square">
             <a:spAutoFit/>
           </a:bodyPr>
           <a:lstStyle/>
           <a:p>
             <a:r>
-              <a:rPr lang="ru-RU" dirty="0"/>
+              <a:rPr lang="ru-RU" b="1" dirty="0">
+                <a:solidFill>
+                  <a:srgbClr val="2F5597"/>
+                </a:solidFill>
+              </a:rPr>
               <a:t>Выраженная корреляция между признаками отсутствует</a:t>
             </a:r>
           </a:p>
@@ -11564,7 +12752,7 @@
           <a:graphicData uri="http://schemas.openxmlformats.org/presentationml/2006/ole">
             <mc:AlternateContent xmlns:mc="http://schemas.openxmlformats.org/markup-compatibility/2006">
               <mc:Choice xmlns:v="urn:schemas-microsoft-com:vml" Requires="v">
-                <p:oleObj spid="_x0000_s10249" name="think-cell Slide" r:id="rId4" imgW="592" imgH="591" progId="TCLayout.ActiveDocument.1">
+                <p:oleObj spid="_x0000_s10253" name="think-cell Slide" r:id="rId4" imgW="592" imgH="591" progId="TCLayout.ActiveDocument.1">
                   <p:embed/>
                 </p:oleObj>
               </mc:Choice>
@@ -11976,7 +13164,7 @@
           <a:graphicData uri="http://schemas.openxmlformats.org/presentationml/2006/ole">
             <mc:AlternateContent xmlns:mc="http://schemas.openxmlformats.org/markup-compatibility/2006">
               <mc:Choice xmlns:v="urn:schemas-microsoft-com:vml" Requires="v">
-                <p:oleObj spid="_x0000_s11277" name="think-cell Slide" r:id="rId4" imgW="592" imgH="591" progId="TCLayout.ActiveDocument.1">
+                <p:oleObj spid="_x0000_s11281" name="think-cell Slide" r:id="rId4" imgW="592" imgH="591" progId="TCLayout.ActiveDocument.1">
                   <p:embed/>
                 </p:oleObj>
               </mc:Choice>
@@ -12935,7 +14123,7 @@
           <a:graphicData uri="http://schemas.openxmlformats.org/presentationml/2006/ole">
             <mc:AlternateContent xmlns:mc="http://schemas.openxmlformats.org/markup-compatibility/2006">
               <mc:Choice xmlns:v="urn:schemas-microsoft-com:vml" Requires="v">
-                <p:oleObj spid="_x0000_s6158" name="think-cell Slide" r:id="rId4" imgW="592" imgH="591" progId="TCLayout.ActiveDocument.1">
+                <p:oleObj spid="_x0000_s6162" name="think-cell Slide" r:id="rId4" imgW="592" imgH="591" progId="TCLayout.ActiveDocument.1">
                   <p:embed/>
                 </p:oleObj>
               </mc:Choice>
@@ -14949,6 +16137,12 @@
 </file>
 
 <file path=ppt/tags/tag13.xml><?xml version="1.0" encoding="utf-8"?>
+<p:tagLst xmlns:a="http://schemas.openxmlformats.org/drawingml/2006/main" xmlns:r="http://schemas.openxmlformats.org/officeDocument/2006/relationships" xmlns:p="http://schemas.openxmlformats.org/presentationml/2006/main">
+  <p:tag name="THINKCELLSHAPEDONOTDELETE" val="thinkcellActiveDocDoNotDelete"/>
+</p:tagLst>
+</file>
+
+<file path=ppt/tags/tag14.xml><?xml version="1.0" encoding="utf-8"?>
 <p:tagLst xmlns:a="http://schemas.openxmlformats.org/drawingml/2006/main" xmlns:r="http://schemas.openxmlformats.org/officeDocument/2006/relationships" xmlns:p="http://schemas.openxmlformats.org/presentationml/2006/main">
   <p:tag name="THINKCELLSHAPEDONOTDELETE" val="thinkcellActiveDocDoNotDelete"/>
 </p:tagLst>
